--- a/6-semester/physical-education/practical10.pptx
+++ b/6-semester/physical-education/practical10.pptx
@@ -113,6 +113,11 @@
       </a:defRPr>
     </a:lvl9pPr>
   </p:defaultTextStyle>
+  <p:extLst>
+    <p:ext uri="{EFAFB233-063F-42B5-8137-9DF3F51BA10A}">
+      <p15:sldGuideLst xmlns:p15="http://schemas.microsoft.com/office/powerpoint/2012/main"/>
+    </p:ext>
+  </p:extLst>
 </p:presentation>
 </file>
 
@@ -7215,10 +7220,16 @@
           </a:p>
           <a:p>
             <a:r>
+              <a:rPr lang="ru-RU">
+                <a:hlinkClick r:id="rId4" action="ppaction://hlinksldjump"/>
+              </a:rPr>
+              <a:t>Правила и </a:t>
+            </a:r>
+            <a:r>
               <a:rPr lang="ru-RU" dirty="0">
                 <a:hlinkClick r:id="rId4" action="ppaction://hlinksldjump"/>
               </a:rPr>
-              <a:t>Правила игры и используемое оборудование</a:t>
+              <a:t>используемое оборудование</a:t>
             </a:r>
             <a:endParaRPr lang="ru-RU" dirty="0"/>
           </a:p>
